--- a/powerpoint/LVTN.pptx
+++ b/powerpoint/LVTN.pptx
@@ -209,7 +209,7 @@
           <a:p>
             <a:fld id="{C4464673-D80D-47D3-9655-76DD3E1535ED}" type="datetimeFigureOut">
               <a:rPr lang="en-US" smtClean="0"/>
-              <a:t>7/23/2020</a:t>
+              <a:t>7/26/2020</a:t>
             </a:fld>
             <a:endParaRPr lang="en-US"/>
           </a:p>
@@ -742,7 +742,7 @@
           <a:p>
             <a:fld id="{FB752FBF-ECF2-425B-B189-E4203CE027B6}" type="datetime1">
               <a:rPr lang="en-US" smtClean="0"/>
-              <a:t>7/23/2020</a:t>
+              <a:t>7/26/2020</a:t>
             </a:fld>
             <a:endParaRPr lang="en-US"/>
           </a:p>
@@ -908,7 +908,7 @@
           <a:p>
             <a:fld id="{A3DBBC06-A1CD-4C45-80B1-A43BDCE41389}" type="datetime1">
               <a:rPr lang="en-US" smtClean="0"/>
-              <a:t>7/23/2020</a:t>
+              <a:t>7/26/2020</a:t>
             </a:fld>
             <a:endParaRPr lang="en-US"/>
           </a:p>
@@ -1084,7 +1084,7 @@
           <a:p>
             <a:fld id="{48A9FEE9-4FB6-4F06-B865-C07348E44366}" type="datetime1">
               <a:rPr lang="en-US" smtClean="0"/>
-              <a:t>7/23/2020</a:t>
+              <a:t>7/26/2020</a:t>
             </a:fld>
             <a:endParaRPr lang="en-US"/>
           </a:p>
@@ -1349,7 +1349,7 @@
           <a:p>
             <a:fld id="{49DD623E-0579-44B8-854B-F034BFD19D6D}" type="datetime1">
               <a:rPr lang="en-US" smtClean="0"/>
-              <a:t>7/23/2020</a:t>
+              <a:t>7/26/2020</a:t>
             </a:fld>
             <a:endParaRPr lang="en-US"/>
           </a:p>
@@ -1638,7 +1638,7 @@
           <a:p>
             <a:fld id="{936BBA95-F602-4045-97C9-DD3AABA742FB}" type="datetime1">
               <a:rPr lang="en-US" smtClean="0"/>
-              <a:t>7/23/2020</a:t>
+              <a:t>7/26/2020</a:t>
             </a:fld>
             <a:endParaRPr lang="en-US"/>
           </a:p>
@@ -1880,7 +1880,7 @@
           <a:p>
             <a:fld id="{37C2237B-9F49-4B85-853C-59ED8F940438}" type="datetime1">
               <a:rPr lang="en-US" smtClean="0"/>
-              <a:t>7/23/2020</a:t>
+              <a:t>7/26/2020</a:t>
             </a:fld>
             <a:endParaRPr lang="en-US"/>
           </a:p>
@@ -2164,7 +2164,7 @@
           <a:p>
             <a:fld id="{D8D7B16E-94C9-41FD-8442-649BA8F5767A}" type="datetime1">
               <a:rPr lang="en-US" smtClean="0"/>
-              <a:t>7/23/2020</a:t>
+              <a:t>7/26/2020</a:t>
             </a:fld>
             <a:endParaRPr lang="en-US"/>
           </a:p>
@@ -2582,7 +2582,7 @@
           <a:p>
             <a:fld id="{F0C4FE5B-8126-4F83-BA46-0D4213C613BA}" type="datetime1">
               <a:rPr lang="en-US" smtClean="0"/>
-              <a:t>7/23/2020</a:t>
+              <a:t>7/26/2020</a:t>
             </a:fld>
             <a:endParaRPr lang="en-US"/>
           </a:p>
@@ -2696,7 +2696,7 @@
           <a:p>
             <a:fld id="{393D7303-C559-4C7A-A0FA-A4782E6B1EAD}" type="datetime1">
               <a:rPr lang="en-US" smtClean="0"/>
-              <a:t>7/23/2020</a:t>
+              <a:t>7/26/2020</a:t>
             </a:fld>
             <a:endParaRPr lang="en-US"/>
           </a:p>
@@ -2787,7 +2787,7 @@
           <a:p>
             <a:fld id="{42338A3F-3B18-4F08-AAD3-572E24C23C04}" type="datetime1">
               <a:rPr lang="en-US" smtClean="0"/>
-              <a:t>7/23/2020</a:t>
+              <a:t>7/26/2020</a:t>
             </a:fld>
             <a:endParaRPr lang="en-US"/>
           </a:p>
@@ -3060,7 +3060,7 @@
           <a:p>
             <a:fld id="{EEB2A8DB-19F3-4CA0-ADEE-49C085AD10F6}" type="datetime1">
               <a:rPr lang="en-US" smtClean="0"/>
-              <a:t>7/23/2020</a:t>
+              <a:t>7/26/2020</a:t>
             </a:fld>
             <a:endParaRPr lang="en-US"/>
           </a:p>
@@ -3309,7 +3309,7 @@
           <a:p>
             <a:fld id="{14A1704A-6CDC-46A1-8EC1-6D6A5C0A9F51}" type="datetime1">
               <a:rPr lang="en-US" smtClean="0"/>
-              <a:t>7/23/2020</a:t>
+              <a:t>7/26/2020</a:t>
             </a:fld>
             <a:endParaRPr lang="en-US"/>
           </a:p>
@@ -3518,7 +3518,7 @@
           <a:p>
             <a:fld id="{399AD7DD-BED5-42BC-81D6-C2FC6838F136}" type="datetime1">
               <a:rPr lang="en-US" smtClean="0"/>
-              <a:t>7/23/2020</a:t>
+              <a:t>7/26/2020</a:t>
             </a:fld>
             <a:endParaRPr lang="en-US"/>
           </a:p>
@@ -21312,8 +21312,8 @@
           </p:sp>
         </mc:Fallback>
       </mc:AlternateContent>
-      <mc:AlternateContent xmlns:mc="http://schemas.openxmlformats.org/markup-compatibility/2006" xmlns:a14="http://schemas.microsoft.com/office/drawing/2010/main">
-        <mc:Choice Requires="a14">
+      <mc:AlternateContent xmlns:mc="http://schemas.openxmlformats.org/markup-compatibility/2006">
+        <mc:Choice xmlns:a14="http://schemas.microsoft.com/office/drawing/2010/main" Requires="a14">
           <p:sp>
             <p:nvSpPr>
               <p:cNvPr id="6" name="Content Placeholder 27"/>
@@ -21521,32 +21521,9 @@
                 </a:r>
                 <a:r>
                   <a:rPr lang="en-US" dirty="0" smtClean="0"/>
-                  <a:t> </a:t>
+                  <a:t>:</a:t>
                 </a:r>
-                <a:r>
-                  <a:rPr lang="en-US" dirty="0" err="1" smtClean="0"/>
-                  <a:t>phụ</a:t>
-                </a:r>
-                <a:r>
-                  <a:rPr lang="en-US" dirty="0" smtClean="0"/>
-                  <a:t> </a:t>
-                </a:r>
-                <a:r>
-                  <a:rPr lang="en-US" dirty="0" err="1" smtClean="0"/>
-                  <a:t>thuộc</a:t>
-                </a:r>
-                <a:r>
-                  <a:rPr lang="en-US" dirty="0" smtClean="0"/>
-                  <a:t> </a:t>
-                </a:r>
-                <a:r>
-                  <a:rPr lang="en-US" dirty="0" err="1" smtClean="0"/>
-                  <a:t>và</a:t>
-                </a:r>
-                <a:r>
-                  <a:rPr lang="en-US" dirty="0" smtClean="0"/>
-                  <a:t> RSSI:</a:t>
-                </a:r>
+                <a:endParaRPr lang="en-US" dirty="0" smtClean="0"/>
               </a:p>
               <a:p>
                 <a:endParaRPr lang="en-US" dirty="0" smtClean="0"/>
@@ -22220,7 +22197,7 @@
             </p:txBody>
           </p:sp>
         </mc:Choice>
-        <mc:Fallback xmlns="">
+        <mc:Fallback>
           <p:sp>
             <p:nvSpPr>
               <p:cNvPr id="6" name="Content Placeholder 27"/>
@@ -23841,8 +23818,8 @@
           </a:p>
         </p:txBody>
       </p:sp>
-      <mc:AlternateContent xmlns:mc="http://schemas.openxmlformats.org/markup-compatibility/2006" xmlns:a14="http://schemas.microsoft.com/office/drawing/2010/main">
-        <mc:Choice Requires="a14">
+      <mc:AlternateContent xmlns:mc="http://schemas.openxmlformats.org/markup-compatibility/2006">
+        <mc:Choice xmlns:a14="http://schemas.microsoft.com/office/drawing/2010/main" Requires="a14">
           <p:sp>
             <p:nvSpPr>
               <p:cNvPr id="28" name="Content Placeholder 27"/>
@@ -23880,20 +23857,8 @@
                   <a:t> </a:t>
                 </a:r>
                 <a:r>
-                  <a:rPr lang="en-US" dirty="0" err="1" smtClean="0"/>
-                  <a:t>khoảng</a:t>
-                </a:r>
-                <a:r>
                   <a:rPr lang="en-US" dirty="0" smtClean="0"/>
-                  <a:t> </a:t>
-                </a:r>
-                <a:r>
-                  <a:rPr lang="en-US" dirty="0" err="1" smtClean="0"/>
-                  <a:t>cách</a:t>
-                </a:r>
-                <a:r>
-                  <a:rPr lang="en-US" dirty="0" smtClean="0"/>
-                  <a:t> </a:t>
+                  <a:t>RSSI </a:t>
                 </a:r>
                 <a:r>
                   <a:rPr lang="en-US" dirty="0" err="1" smtClean="0"/>
@@ -23913,12 +23878,21 @@
                 </a:r>
                 <a:r>
                   <a:rPr lang="en-US" dirty="0" err="1" smtClean="0"/>
-                  <a:t>và</a:t>
+                  <a:t>khoảng</a:t>
                 </a:r>
                 <a:r>
                   <a:rPr lang="en-US" dirty="0" smtClean="0"/>
-                  <a:t> RSSI:</a:t>
+                  <a:t> </a:t>
                 </a:r>
+                <a:r>
+                  <a:rPr lang="en-US" dirty="0" err="1" smtClean="0"/>
+                  <a:t>cách</a:t>
+                </a:r>
+                <a:r>
+                  <a:rPr lang="en-US" dirty="0" smtClean="0"/>
+                  <a:t>:</a:t>
+                </a:r>
+                <a:endParaRPr lang="en-US" dirty="0" smtClean="0"/>
               </a:p>
               <a:p>
                 <a:endParaRPr lang="en-US" dirty="0" smtClean="0"/>
@@ -24366,7 +24340,7 @@
             </p:txBody>
           </p:sp>
         </mc:Choice>
-        <mc:Fallback xmlns="">
+        <mc:Fallback>
           <p:sp>
             <p:nvSpPr>
               <p:cNvPr id="28" name="Content Placeholder 27"/>
